--- a/pptx_templates/mbr_template.pptx
+++ b/pptx_templates/mbr_template.pptx
@@ -3126,7 +3126,7 @@
           <a:lstStyle/>
           <a:p>
             <a:r>
-              <a:t>Generated by SBS MBR (Template Placeholder)</a:t>
+              <a:t>{{MBR_MONTH}}</a:t>
             </a:r>
           </a:p>
         </p:txBody>
@@ -3151,57 +3151,130 @@
       <p:grpSpPr/>
       <p:sp>
         <p:nvSpPr>
-          <p:cNvPr id="2" name="Title 1"/>
-          <p:cNvSpPr>
-            <a:spLocks noGrp="1"/>
-          </p:cNvSpPr>
-          <p:nvPr>
-            <p:ph type="title"/>
-          </p:nvPr>
-        </p:nvSpPr>
-        <p:spPr/>
-        <p:txBody>
-          <a:bodyPr/>
-          <a:lstStyle/>
-          <a:p>
-            <a:r>
-              <a:t>KPIs (Placeholder Tokens)</a:t>
-            </a:r>
-          </a:p>
-        </p:txBody>
-      </p:sp>
-      <p:sp>
-        <p:nvSpPr>
-          <p:cNvPr id="3" name="Content Placeholder 2"/>
-          <p:cNvSpPr>
-            <a:spLocks noGrp="1"/>
-          </p:cNvSpPr>
-          <p:nvPr>
-            <p:ph idx="1"/>
-          </p:nvPr>
-        </p:nvSpPr>
-        <p:spPr/>
-        <p:txBody>
-          <a:bodyPr/>
-          <a:lstStyle/>
-          <a:p>
-            <a:r>
-              <a:t>{{MBR_MONTH}}</a:t>
-            </a:r>
-          </a:p>
-          <a:p>
-            <a:r>
-              <a:t>Total Netto: {{TOTAL_NET}}</a:t>
-            </a:r>
-          </a:p>
-          <a:p>
-            <a:r>
-              <a:t>Top Suppliers: {{TOP_SUPPLIERS_TABLE}}</a:t>
-            </a:r>
-          </a:p>
-          <a:p>
-            <a:r>
-              <a:t>Budget Chart: {{BUDGET_CHART}}</a:t>
+          <p:cNvPr id="2" name="TextBox 1"/>
+          <p:cNvSpPr txBox="1"/>
+          <p:nvPr/>
+        </p:nvSpPr>
+        <p:spPr>
+          <a:xfrm>
+            <a:off x="548640" y="274320"/>
+            <a:ext cx="10972800" cy="548640"/>
+          </a:xfrm>
+          <a:prstGeom prst="rect">
+            <a:avLst/>
+          </a:prstGeom>
+          <a:noFill/>
+        </p:spPr>
+        <p:txBody>
+          <a:bodyPr wrap="none">
+            <a:spAutoFit/>
+          </a:bodyPr>
+          <a:lstStyle/>
+          <a:p>
+            <a:pPr>
+              <a:defRPr sz="2800"/>
+            </a:pPr>
+            <a:r>
+              <a:t>KPIs &amp; Insights</a:t>
+            </a:r>
+          </a:p>
+        </p:txBody>
+      </p:sp>
+      <p:sp>
+        <p:nvSpPr>
+          <p:cNvPr id="3" name="TextBox 2"/>
+          <p:cNvSpPr txBox="1"/>
+          <p:nvPr/>
+        </p:nvSpPr>
+        <p:spPr>
+          <a:xfrm>
+            <a:off x="548640" y="1097280"/>
+            <a:ext cx="5486400" cy="1280160"/>
+          </a:xfrm>
+          <a:prstGeom prst="rect">
+            <a:avLst/>
+          </a:prstGeom>
+          <a:noFill/>
+        </p:spPr>
+        <p:txBody>
+          <a:bodyPr wrap="none">
+            <a:spAutoFit/>
+          </a:bodyPr>
+          <a:lstStyle/>
+          <a:p>
+            <a:r>
+              <a:t>{{COVERAGE_NOTE}}</a:t>
+            </a:r>
+          </a:p>
+          <a:p>
+            <a:r>
+              <a:t>Rechnungen: {{INVOICE_COUNT}}</a:t>
+            </a:r>
+          </a:p>
+          <a:p>
+            <a:r>
+              <a:t>Netto: {{TOTAL_NET}}</a:t>
+            </a:r>
+          </a:p>
+          <a:p>
+            <a:r>
+              <a:t>Brutto: {{TOTAL_GROSS}}</a:t>
+            </a:r>
+          </a:p>
+        </p:txBody>
+      </p:sp>
+      <p:sp>
+        <p:nvSpPr>
+          <p:cNvPr id="4" name="TextBox 3"/>
+          <p:cNvSpPr txBox="1"/>
+          <p:nvPr/>
+        </p:nvSpPr>
+        <p:spPr>
+          <a:xfrm>
+            <a:off x="548640" y="2651760"/>
+            <a:ext cx="5486400" cy="3474720"/>
+          </a:xfrm>
+          <a:prstGeom prst="rect">
+            <a:avLst/>
+          </a:prstGeom>
+          <a:noFill/>
+        </p:spPr>
+        <p:txBody>
+          <a:bodyPr wrap="none">
+            <a:spAutoFit/>
+          </a:bodyPr>
+          <a:lstStyle/>
+          <a:p>
+            <a:r>
+              <a:t>{{TOP_SUPPLIERS_TABLE}}</a:t>
+            </a:r>
+          </a:p>
+        </p:txBody>
+      </p:sp>
+      <p:sp>
+        <p:nvSpPr>
+          <p:cNvPr id="5" name="TextBox 4"/>
+          <p:cNvSpPr txBox="1"/>
+          <p:nvPr/>
+        </p:nvSpPr>
+        <p:spPr>
+          <a:xfrm>
+            <a:off x="6400800" y="2651760"/>
+            <a:ext cx="5120640" cy="3474720"/>
+          </a:xfrm>
+          <a:prstGeom prst="rect">
+            <a:avLst/>
+          </a:prstGeom>
+          <a:noFill/>
+        </p:spPr>
+        <p:txBody>
+          <a:bodyPr wrap="none">
+            <a:spAutoFit/>
+          </a:bodyPr>
+          <a:lstStyle/>
+          <a:p>
+            <a:r>
+              <a:t>{{BUDGET_CHART}}</a:t>
             </a:r>
           </a:p>
         </p:txBody>

--- a/pptx_templates/mbr_template.pptx
+++ b/pptx_templates/mbr_template.pptx
@@ -7,8 +7,13 @@
   <p:sldIdLst>
     <p:sldId id="256" r:id="rId7"/>
     <p:sldId id="257" r:id="rId8"/>
+    <p:sldId id="258" r:id="rId9"/>
+    <p:sldId id="259" r:id="rId10"/>
+    <p:sldId id="260" r:id="rId11"/>
+    <p:sldId id="261" r:id="rId12"/>
+    <p:sldId id="262" r:id="rId13"/>
   </p:sldIdLst>
-  <p:sldSz cx="9144000" cy="6858000" type="screen4x3"/>
+  <p:sldSz cx="12191695" cy="6858000" type="screen4x3"/>
   <p:notesSz cx="6858000" cy="9144000"/>
   <p:defaultTextStyle>
     <a:defPPr>
@@ -3091,19 +3096,119 @@
       <p:grpSpPr/>
       <p:sp>
         <p:nvSpPr>
-          <p:cNvPr id="2" name="Title 1"/>
-          <p:cNvSpPr>
-            <a:spLocks noGrp="1"/>
-          </p:cNvSpPr>
-          <p:nvPr>
-            <p:ph type="ctrTitle"/>
-          </p:nvPr>
-        </p:nvSpPr>
-        <p:spPr/>
-        <p:txBody>
-          <a:bodyPr/>
-          <a:lstStyle/>
-          <a:p>
+          <p:cNvPr id="2" name="Rectangle 1"/>
+          <p:cNvSpPr/>
+          <p:nvPr/>
+        </p:nvSpPr>
+        <p:spPr>
+          <a:xfrm>
+            <a:off x="0" y="0"/>
+            <a:ext cx="12191695" cy="6858000"/>
+          </a:xfrm>
+          <a:prstGeom prst="rect">
+            <a:avLst/>
+          </a:prstGeom>
+          <a:solidFill>
+            <a:srgbClr val="003856"/>
+          </a:solidFill>
+          <a:ln>
+            <a:noFill/>
+          </a:ln>
+        </p:spPr>
+        <p:style>
+          <a:lnRef idx="1">
+            <a:schemeClr val="accent1"/>
+          </a:lnRef>
+          <a:fillRef idx="3">
+            <a:schemeClr val="accent1"/>
+          </a:fillRef>
+          <a:effectRef idx="2">
+            <a:schemeClr val="accent1"/>
+          </a:effectRef>
+          <a:fontRef idx="minor">
+            <a:schemeClr val="lt1"/>
+          </a:fontRef>
+        </p:style>
+        <p:txBody>
+          <a:bodyPr rtlCol="0" anchor="ctr"/>
+          <a:lstStyle/>
+          <a:p>
+            <a:pPr algn="ctr"/>
+          </a:p>
+        </p:txBody>
+      </p:sp>
+      <p:sp>
+        <p:nvSpPr>
+          <p:cNvPr id="3" name="Rectangle 2"/>
+          <p:cNvSpPr/>
+          <p:nvPr/>
+        </p:nvSpPr>
+        <p:spPr>
+          <a:xfrm>
+            <a:off x="0" y="2926080"/>
+            <a:ext cx="12191695" cy="91440"/>
+          </a:xfrm>
+          <a:prstGeom prst="rect">
+            <a:avLst/>
+          </a:prstGeom>
+          <a:solidFill>
+            <a:srgbClr val="FFB900"/>
+          </a:solidFill>
+          <a:ln>
+            <a:noFill/>
+          </a:ln>
+        </p:spPr>
+        <p:style>
+          <a:lnRef idx="1">
+            <a:schemeClr val="accent1"/>
+          </a:lnRef>
+          <a:fillRef idx="3">
+            <a:schemeClr val="accent1"/>
+          </a:fillRef>
+          <a:effectRef idx="2">
+            <a:schemeClr val="accent1"/>
+          </a:effectRef>
+          <a:fontRef idx="minor">
+            <a:schemeClr val="lt1"/>
+          </a:fontRef>
+        </p:style>
+        <p:txBody>
+          <a:bodyPr rtlCol="0" anchor="ctr"/>
+          <a:lstStyle/>
+          <a:p>
+            <a:pPr algn="ctr"/>
+          </a:p>
+        </p:txBody>
+      </p:sp>
+      <p:sp>
+        <p:nvSpPr>
+          <p:cNvPr id="4" name="TextBox 3"/>
+          <p:cNvSpPr txBox="1"/>
+          <p:nvPr/>
+        </p:nvSpPr>
+        <p:spPr>
+          <a:xfrm>
+            <a:off x="731520" y="1828800"/>
+            <a:ext cx="10058400" cy="1097280"/>
+          </a:xfrm>
+          <a:prstGeom prst="rect">
+            <a:avLst/>
+          </a:prstGeom>
+          <a:noFill/>
+        </p:spPr>
+        <p:txBody>
+          <a:bodyPr wrap="none">
+            <a:spAutoFit/>
+          </a:bodyPr>
+          <a:lstStyle/>
+          <a:p>
+            <a:pPr>
+              <a:defRPr sz="4800" b="1">
+                <a:solidFill>
+                  <a:srgbClr val="FFFFFF"/>
+                </a:solidFill>
+              </a:defRPr>
+            </a:pPr>
             <a:r>
               <a:t>Monthly Business Review</a:t>
             </a:r>
@@ -3112,21 +3217,70 @@
       </p:sp>
       <p:sp>
         <p:nvSpPr>
-          <p:cNvPr id="3" name="Subtitle 2"/>
-          <p:cNvSpPr>
-            <a:spLocks noGrp="1"/>
-          </p:cNvSpPr>
-          <p:nvPr>
-            <p:ph type="subTitle" idx="1"/>
-          </p:nvPr>
-        </p:nvSpPr>
-        <p:spPr/>
-        <p:txBody>
-          <a:bodyPr/>
-          <a:lstStyle/>
-          <a:p>
+          <p:cNvPr id="5" name="TextBox 4"/>
+          <p:cNvSpPr txBox="1"/>
+          <p:nvPr/>
+        </p:nvSpPr>
+        <p:spPr>
+          <a:xfrm>
+            <a:off x="731520" y="3200400"/>
+            <a:ext cx="10058400" cy="731520"/>
+          </a:xfrm>
+          <a:prstGeom prst="rect">
+            <a:avLst/>
+          </a:prstGeom>
+          <a:noFill/>
+        </p:spPr>
+        <p:txBody>
+          <a:bodyPr wrap="none">
+            <a:spAutoFit/>
+          </a:bodyPr>
+          <a:lstStyle/>
+          <a:p>
+            <a:pPr>
+              <a:defRPr sz="2800">
+                <a:solidFill>
+                  <a:srgbClr val="FFB900"/>
+                </a:solidFill>
+              </a:defRPr>
+            </a:pPr>
             <a:r>
               <a:t>{{MBR_MONTH}}</a:t>
+            </a:r>
+          </a:p>
+        </p:txBody>
+      </p:sp>
+      <p:sp>
+        <p:nvSpPr>
+          <p:cNvPr id="6" name="TextBox 5"/>
+          <p:cNvSpPr txBox="1"/>
+          <p:nvPr/>
+        </p:nvSpPr>
+        <p:spPr>
+          <a:xfrm>
+            <a:off x="731520" y="5669280"/>
+            <a:ext cx="10058400" cy="457200"/>
+          </a:xfrm>
+          <a:prstGeom prst="rect">
+            <a:avLst/>
+          </a:prstGeom>
+          <a:noFill/>
+        </p:spPr>
+        <p:txBody>
+          <a:bodyPr wrap="none">
+            <a:spAutoFit/>
+          </a:bodyPr>
+          <a:lstStyle/>
+          <a:p>
+            <a:pPr>
+              <a:defRPr sz="1600">
+                <a:solidFill>
+                  <a:srgbClr val="FFFFFF"/>
+                </a:solidFill>
+              </a:defRPr>
+            </a:pPr>
+            <a:r>
+              <a:t>SBS Deutschland GmbH &amp; Co. KG</a:t>
             </a:r>
           </a:p>
         </p:txBody>
@@ -3151,14 +3305,57 @@
       <p:grpSpPr/>
       <p:sp>
         <p:nvSpPr>
-          <p:cNvPr id="2" name="TextBox 1"/>
+          <p:cNvPr id="2" name="Rectangle 1"/>
+          <p:cNvSpPr/>
+          <p:nvPr/>
+        </p:nvSpPr>
+        <p:spPr>
+          <a:xfrm>
+            <a:off x="0" y="0"/>
+            <a:ext cx="12191695" cy="137160"/>
+          </a:xfrm>
+          <a:prstGeom prst="rect">
+            <a:avLst/>
+          </a:prstGeom>
+          <a:solidFill>
+            <a:srgbClr val="003856"/>
+          </a:solidFill>
+          <a:ln>
+            <a:noFill/>
+          </a:ln>
+        </p:spPr>
+        <p:style>
+          <a:lnRef idx="1">
+            <a:schemeClr val="accent1"/>
+          </a:lnRef>
+          <a:fillRef idx="3">
+            <a:schemeClr val="accent1"/>
+          </a:fillRef>
+          <a:effectRef idx="2">
+            <a:schemeClr val="accent1"/>
+          </a:effectRef>
+          <a:fontRef idx="minor">
+            <a:schemeClr val="lt1"/>
+          </a:fontRef>
+        </p:style>
+        <p:txBody>
+          <a:bodyPr rtlCol="0" anchor="ctr"/>
+          <a:lstStyle/>
+          <a:p>
+            <a:pPr algn="ctr"/>
+          </a:p>
+        </p:txBody>
+      </p:sp>
+      <p:sp>
+        <p:nvSpPr>
+          <p:cNvPr id="3" name="TextBox 2"/>
           <p:cNvSpPr txBox="1"/>
           <p:nvPr/>
         </p:nvSpPr>
         <p:spPr>
           <a:xfrm>
-            <a:off x="548640" y="274320"/>
-            <a:ext cx="10972800" cy="548640"/>
+            <a:off x="457200" y="365760"/>
+            <a:ext cx="10972800" cy="731520"/>
           </a:xfrm>
           <a:prstGeom prst="rect">
             <a:avLst/>
@@ -3166,30 +3363,77 @@
           <a:noFill/>
         </p:spPr>
         <p:txBody>
-          <a:bodyPr wrap="none">
+          <a:bodyPr wrap="square">
             <a:spAutoFit/>
           </a:bodyPr>
           <a:lstStyle/>
           <a:p>
             <a:pPr>
-              <a:defRPr sz="2800"/>
+              <a:defRPr sz="3200" b="1">
+                <a:solidFill>
+                  <a:srgbClr val="003856"/>
+                </a:solidFill>
+              </a:defRPr>
             </a:pPr>
             <a:r>
-              <a:t>KPIs &amp; Insights</a:t>
-            </a:r>
-          </a:p>
-        </p:txBody>
-      </p:sp>
-      <p:sp>
-        <p:nvSpPr>
-          <p:cNvPr id="3" name="TextBox 2"/>
+              <a:t>Executive Summary</a:t>
+            </a:r>
+          </a:p>
+        </p:txBody>
+      </p:sp>
+      <p:sp>
+        <p:nvSpPr>
+          <p:cNvPr id="4" name="Rounded Rectangle 3"/>
+          <p:cNvSpPr/>
+          <p:nvPr/>
+        </p:nvSpPr>
+        <p:spPr>
+          <a:xfrm>
+            <a:off x="457200" y="1371600"/>
+            <a:ext cx="3474720" cy="1371600"/>
+          </a:xfrm>
+          <a:prstGeom prst="roundRect">
+            <a:avLst/>
+          </a:prstGeom>
+          <a:solidFill>
+            <a:srgbClr val="F5F7FA"/>
+          </a:solidFill>
+          <a:ln>
+            <a:noFill/>
+          </a:ln>
+        </p:spPr>
+        <p:style>
+          <a:lnRef idx="1">
+            <a:schemeClr val="accent1"/>
+          </a:lnRef>
+          <a:fillRef idx="3">
+            <a:schemeClr val="accent1"/>
+          </a:fillRef>
+          <a:effectRef idx="2">
+            <a:schemeClr val="accent1"/>
+          </a:effectRef>
+          <a:fontRef idx="minor">
+            <a:schemeClr val="lt1"/>
+          </a:fontRef>
+        </p:style>
+        <p:txBody>
+          <a:bodyPr rtlCol="0" anchor="ctr"/>
+          <a:lstStyle/>
+          <a:p>
+            <a:pPr algn="ctr"/>
+          </a:p>
+        </p:txBody>
+      </p:sp>
+      <p:sp>
+        <p:nvSpPr>
+          <p:cNvPr id="5" name="TextBox 4"/>
           <p:cNvSpPr txBox="1"/>
           <p:nvPr/>
         </p:nvSpPr>
         <p:spPr>
           <a:xfrm>
-            <a:off x="548640" y="1097280"/>
-            <a:ext cx="5486400" cy="1280160"/>
+            <a:off x="640080" y="1554480"/>
+            <a:ext cx="3108960" cy="365760"/>
           </a:xfrm>
           <a:prstGeom prst="rect">
             <a:avLst/>
@@ -3202,37 +3446,29 @@
           </a:bodyPr>
           <a:lstStyle/>
           <a:p>
-            <a:r>
-              <a:t>{{COVERAGE_NOTE}}</a:t>
-            </a:r>
-          </a:p>
-          <a:p>
-            <a:r>
-              <a:t>Rechnungen: {{INVOICE_COUNT}}</a:t>
-            </a:r>
-          </a:p>
-          <a:p>
-            <a:r>
-              <a:t>Netto: {{TOTAL_NET}}</a:t>
-            </a:r>
-          </a:p>
-          <a:p>
-            <a:r>
-              <a:t>Brutto: {{TOTAL_GROSS}}</a:t>
-            </a:r>
-          </a:p>
-        </p:txBody>
-      </p:sp>
-      <p:sp>
-        <p:nvSpPr>
-          <p:cNvPr id="4" name="TextBox 3"/>
+            <a:pPr>
+              <a:defRPr sz="1400">
+                <a:solidFill>
+                  <a:srgbClr val="646464"/>
+                </a:solidFill>
+              </a:defRPr>
+            </a:pPr>
+            <a:r>
+              <a:t>📄 Rechnungen</a:t>
+            </a:r>
+          </a:p>
+        </p:txBody>
+      </p:sp>
+      <p:sp>
+        <p:nvSpPr>
+          <p:cNvPr id="6" name="TextBox 5"/>
           <p:cNvSpPr txBox="1"/>
           <p:nvPr/>
         </p:nvSpPr>
         <p:spPr>
           <a:xfrm>
-            <a:off x="548640" y="2651760"/>
-            <a:ext cx="5486400" cy="3474720"/>
+            <a:off x="640080" y="2011680"/>
+            <a:ext cx="3108960" cy="548640"/>
           </a:xfrm>
           <a:prstGeom prst="rect">
             <a:avLst/>
@@ -3245,22 +3481,72 @@
           </a:bodyPr>
           <a:lstStyle/>
           <a:p>
-            <a:r>
-              <a:t>{{TOP_SUPPLIERS_TABLE}}</a:t>
-            </a:r>
-          </a:p>
-        </p:txBody>
-      </p:sp>
-      <p:sp>
-        <p:nvSpPr>
-          <p:cNvPr id="5" name="TextBox 4"/>
+            <a:pPr>
+              <a:defRPr sz="2400" b="1">
+                <a:solidFill>
+                  <a:srgbClr val="003856"/>
+                </a:solidFill>
+              </a:defRPr>
+            </a:pPr>
+            <a:r>
+              <a:t>{{INVOICE_COUNT}}</a:t>
+            </a:r>
+          </a:p>
+        </p:txBody>
+      </p:sp>
+      <p:sp>
+        <p:nvSpPr>
+          <p:cNvPr id="7" name="Rounded Rectangle 6"/>
+          <p:cNvSpPr/>
+          <p:nvPr/>
+        </p:nvSpPr>
+        <p:spPr>
+          <a:xfrm>
+            <a:off x="4297680" y="1371600"/>
+            <a:ext cx="3474720" cy="1371600"/>
+          </a:xfrm>
+          <a:prstGeom prst="roundRect">
+            <a:avLst/>
+          </a:prstGeom>
+          <a:solidFill>
+            <a:srgbClr val="F5F7FA"/>
+          </a:solidFill>
+          <a:ln>
+            <a:noFill/>
+          </a:ln>
+        </p:spPr>
+        <p:style>
+          <a:lnRef idx="1">
+            <a:schemeClr val="accent1"/>
+          </a:lnRef>
+          <a:fillRef idx="3">
+            <a:schemeClr val="accent1"/>
+          </a:fillRef>
+          <a:effectRef idx="2">
+            <a:schemeClr val="accent1"/>
+          </a:effectRef>
+          <a:fontRef idx="minor">
+            <a:schemeClr val="lt1"/>
+          </a:fontRef>
+        </p:style>
+        <p:txBody>
+          <a:bodyPr rtlCol="0" anchor="ctr"/>
+          <a:lstStyle/>
+          <a:p>
+            <a:pPr algn="ctr"/>
+          </a:p>
+        </p:txBody>
+      </p:sp>
+      <p:sp>
+        <p:nvSpPr>
+          <p:cNvPr id="8" name="TextBox 7"/>
           <p:cNvSpPr txBox="1"/>
           <p:nvPr/>
         </p:nvSpPr>
         <p:spPr>
           <a:xfrm>
-            <a:off x="6400800" y="2651760"/>
-            <a:ext cx="5120640" cy="3474720"/>
+            <a:off x="4480560" y="1554480"/>
+            <a:ext cx="3108960" cy="365760"/>
           </a:xfrm>
           <a:prstGeom prst="rect">
             <a:avLst/>
@@ -3273,8 +3559,1098 @@
           </a:bodyPr>
           <a:lstStyle/>
           <a:p>
+            <a:pPr>
+              <a:defRPr sz="1400">
+                <a:solidFill>
+                  <a:srgbClr val="646464"/>
+                </a:solidFill>
+              </a:defRPr>
+            </a:pPr>
+            <a:r>
+              <a:t>💰 Netto Gesamt</a:t>
+            </a:r>
+          </a:p>
+        </p:txBody>
+      </p:sp>
+      <p:sp>
+        <p:nvSpPr>
+          <p:cNvPr id="9" name="TextBox 8"/>
+          <p:cNvSpPr txBox="1"/>
+          <p:nvPr/>
+        </p:nvSpPr>
+        <p:spPr>
+          <a:xfrm>
+            <a:off x="4480560" y="2011680"/>
+            <a:ext cx="3108960" cy="548640"/>
+          </a:xfrm>
+          <a:prstGeom prst="rect">
+            <a:avLst/>
+          </a:prstGeom>
+          <a:noFill/>
+        </p:spPr>
+        <p:txBody>
+          <a:bodyPr wrap="none">
+            <a:spAutoFit/>
+          </a:bodyPr>
+          <a:lstStyle/>
+          <a:p>
+            <a:pPr>
+              <a:defRPr sz="2400" b="1">
+                <a:solidFill>
+                  <a:srgbClr val="003856"/>
+                </a:solidFill>
+              </a:defRPr>
+            </a:pPr>
+            <a:r>
+              <a:t>{{TOTAL_NET}}</a:t>
+            </a:r>
+          </a:p>
+        </p:txBody>
+      </p:sp>
+      <p:sp>
+        <p:nvSpPr>
+          <p:cNvPr id="10" name="Rounded Rectangle 9"/>
+          <p:cNvSpPr/>
+          <p:nvPr/>
+        </p:nvSpPr>
+        <p:spPr>
+          <a:xfrm>
+            <a:off x="8138160" y="1371600"/>
+            <a:ext cx="3474720" cy="1371600"/>
+          </a:xfrm>
+          <a:prstGeom prst="roundRect">
+            <a:avLst/>
+          </a:prstGeom>
+          <a:solidFill>
+            <a:srgbClr val="F5F7FA"/>
+          </a:solidFill>
+          <a:ln>
+            <a:noFill/>
+          </a:ln>
+        </p:spPr>
+        <p:style>
+          <a:lnRef idx="1">
+            <a:schemeClr val="accent1"/>
+          </a:lnRef>
+          <a:fillRef idx="3">
+            <a:schemeClr val="accent1"/>
+          </a:fillRef>
+          <a:effectRef idx="2">
+            <a:schemeClr val="accent1"/>
+          </a:effectRef>
+          <a:fontRef idx="minor">
+            <a:schemeClr val="lt1"/>
+          </a:fontRef>
+        </p:style>
+        <p:txBody>
+          <a:bodyPr rtlCol="0" anchor="ctr"/>
+          <a:lstStyle/>
+          <a:p>
+            <a:pPr algn="ctr"/>
+          </a:p>
+        </p:txBody>
+      </p:sp>
+      <p:sp>
+        <p:nvSpPr>
+          <p:cNvPr id="11" name="TextBox 10"/>
+          <p:cNvSpPr txBox="1"/>
+          <p:nvPr/>
+        </p:nvSpPr>
+        <p:spPr>
+          <a:xfrm>
+            <a:off x="8321040" y="1554480"/>
+            <a:ext cx="3108960" cy="365760"/>
+          </a:xfrm>
+          <a:prstGeom prst="rect">
+            <a:avLst/>
+          </a:prstGeom>
+          <a:noFill/>
+        </p:spPr>
+        <p:txBody>
+          <a:bodyPr wrap="none">
+            <a:spAutoFit/>
+          </a:bodyPr>
+          <a:lstStyle/>
+          <a:p>
+            <a:pPr>
+              <a:defRPr sz="1400">
+                <a:solidFill>
+                  <a:srgbClr val="646464"/>
+                </a:solidFill>
+              </a:defRPr>
+            </a:pPr>
+            <a:r>
+              <a:t>💵 Brutto Gesamt</a:t>
+            </a:r>
+          </a:p>
+        </p:txBody>
+      </p:sp>
+      <p:sp>
+        <p:nvSpPr>
+          <p:cNvPr id="12" name="TextBox 11"/>
+          <p:cNvSpPr txBox="1"/>
+          <p:nvPr/>
+        </p:nvSpPr>
+        <p:spPr>
+          <a:xfrm>
+            <a:off x="8321040" y="2011680"/>
+            <a:ext cx="3108960" cy="548640"/>
+          </a:xfrm>
+          <a:prstGeom prst="rect">
+            <a:avLst/>
+          </a:prstGeom>
+          <a:noFill/>
+        </p:spPr>
+        <p:txBody>
+          <a:bodyPr wrap="none">
+            <a:spAutoFit/>
+          </a:bodyPr>
+          <a:lstStyle/>
+          <a:p>
+            <a:pPr>
+              <a:defRPr sz="2400" b="1">
+                <a:solidFill>
+                  <a:srgbClr val="003856"/>
+                </a:solidFill>
+              </a:defRPr>
+            </a:pPr>
+            <a:r>
+              <a:t>{{TOTAL_GROSS}}</a:t>
+            </a:r>
+          </a:p>
+        </p:txBody>
+      </p:sp>
+      <p:sp>
+        <p:nvSpPr>
+          <p:cNvPr id="13" name="TextBox 12"/>
+          <p:cNvSpPr txBox="1"/>
+          <p:nvPr/>
+        </p:nvSpPr>
+        <p:spPr>
+          <a:xfrm>
+            <a:off x="457200" y="3200400"/>
+            <a:ext cx="10972800" cy="3200400"/>
+          </a:xfrm>
+          <a:prstGeom prst="rect">
+            <a:avLst/>
+          </a:prstGeom>
+          <a:noFill/>
+        </p:spPr>
+        <p:txBody>
+          <a:bodyPr wrap="square">
+            <a:spAutoFit/>
+          </a:bodyPr>
+          <a:lstStyle/>
+          <a:p>
+            <a:pPr>
+              <a:defRPr sz="1600">
+                <a:solidFill>
+                  <a:srgbClr val="646464"/>
+                </a:solidFill>
+              </a:defRPr>
+            </a:pPr>
+            <a:r>
+              <a:t>{{EXEC_SUMMARY_BULLETS}}</a:t>
+            </a:r>
+          </a:p>
+        </p:txBody>
+      </p:sp>
+    </p:spTree>
+  </p:cSld>
+  <p:clrMapOvr>
+    <a:masterClrMapping/>
+  </p:clrMapOvr>
+</p:sld>
+</file>
+
+<file path=ppt/slides/slide3.xml><?xml version="1.0" encoding="utf-8"?>
+<p:sld xmlns:a="http://schemas.openxmlformats.org/drawingml/2006/main" xmlns:p="http://schemas.openxmlformats.org/presentationml/2006/main" xmlns:r="http://schemas.openxmlformats.org/officeDocument/2006/relationships">
+  <p:cSld>
+    <p:spTree>
+      <p:nvGrpSpPr>
+        <p:cNvPr id="1" name=""/>
+        <p:cNvGrpSpPr/>
+        <p:nvPr/>
+      </p:nvGrpSpPr>
+      <p:grpSpPr/>
+      <p:sp>
+        <p:nvSpPr>
+          <p:cNvPr id="2" name="Rectangle 1"/>
+          <p:cNvSpPr/>
+          <p:nvPr/>
+        </p:nvSpPr>
+        <p:spPr>
+          <a:xfrm>
+            <a:off x="0" y="0"/>
+            <a:ext cx="12191695" cy="137160"/>
+          </a:xfrm>
+          <a:prstGeom prst="rect">
+            <a:avLst/>
+          </a:prstGeom>
+          <a:solidFill>
+            <a:srgbClr val="003856"/>
+          </a:solidFill>
+          <a:ln>
+            <a:noFill/>
+          </a:ln>
+        </p:spPr>
+        <p:style>
+          <a:lnRef idx="1">
+            <a:schemeClr val="accent1"/>
+          </a:lnRef>
+          <a:fillRef idx="3">
+            <a:schemeClr val="accent1"/>
+          </a:fillRef>
+          <a:effectRef idx="2">
+            <a:schemeClr val="accent1"/>
+          </a:effectRef>
+          <a:fontRef idx="minor">
+            <a:schemeClr val="lt1"/>
+          </a:fontRef>
+        </p:style>
+        <p:txBody>
+          <a:bodyPr rtlCol="0" anchor="ctr"/>
+          <a:lstStyle/>
+          <a:p>
+            <a:pPr algn="ctr"/>
+          </a:p>
+        </p:txBody>
+      </p:sp>
+      <p:sp>
+        <p:nvSpPr>
+          <p:cNvPr id="3" name="TextBox 2"/>
+          <p:cNvSpPr txBox="1"/>
+          <p:nvPr/>
+        </p:nvSpPr>
+        <p:spPr>
+          <a:xfrm>
+            <a:off x="457200" y="365760"/>
+            <a:ext cx="10972800" cy="731520"/>
+          </a:xfrm>
+          <a:prstGeom prst="rect">
+            <a:avLst/>
+          </a:prstGeom>
+          <a:noFill/>
+        </p:spPr>
+        <p:txBody>
+          <a:bodyPr wrap="square">
+            <a:spAutoFit/>
+          </a:bodyPr>
+          <a:lstStyle/>
+          <a:p>
+            <a:pPr>
+              <a:defRPr sz="3200" b="1">
+                <a:solidFill>
+                  <a:srgbClr val="003856"/>
+                </a:solidFill>
+              </a:defRPr>
+            </a:pPr>
+            <a:r>
+              <a:t>🏢 Top Lieferanten</a:t>
+            </a:r>
+          </a:p>
+        </p:txBody>
+      </p:sp>
+      <p:sp>
+        <p:nvSpPr>
+          <p:cNvPr id="4" name="TextBox 3"/>
+          <p:cNvSpPr txBox="1"/>
+          <p:nvPr/>
+        </p:nvSpPr>
+        <p:spPr>
+          <a:xfrm>
+            <a:off x="457200" y="1371600"/>
+            <a:ext cx="6400800" cy="4572000"/>
+          </a:xfrm>
+          <a:prstGeom prst="rect">
+            <a:avLst/>
+          </a:prstGeom>
+          <a:noFill/>
+        </p:spPr>
+        <p:txBody>
+          <a:bodyPr wrap="none">
+            <a:spAutoFit/>
+          </a:bodyPr>
+          <a:lstStyle/>
+          <a:p>
+            <a:pPr>
+              <a:defRPr sz="1400"/>
+            </a:pPr>
+            <a:r>
+              <a:t>{{TOP_SUPPLIERS_TABLE}}</a:t>
+            </a:r>
+          </a:p>
+        </p:txBody>
+      </p:sp>
+      <p:sp>
+        <p:nvSpPr>
+          <p:cNvPr id="5" name="TextBox 4"/>
+          <p:cNvSpPr txBox="1"/>
+          <p:nvPr/>
+        </p:nvSpPr>
+        <p:spPr>
+          <a:xfrm>
+            <a:off x="7315200" y="1371600"/>
+            <a:ext cx="4114800" cy="4572000"/>
+          </a:xfrm>
+          <a:prstGeom prst="rect">
+            <a:avLst/>
+          </a:prstGeom>
+          <a:noFill/>
+        </p:spPr>
+        <p:txBody>
+          <a:bodyPr wrap="square">
+            <a:spAutoFit/>
+          </a:bodyPr>
+          <a:lstStyle/>
+          <a:p>
+            <a:pPr>
+              <a:defRPr sz="1400">
+                <a:solidFill>
+                  <a:srgbClr val="646464"/>
+                </a:solidFill>
+              </a:defRPr>
+            </a:pPr>
+            <a:r>
+              <a:t>{{SUPPLIER_INSIGHTS_BULLETS}}</a:t>
+            </a:r>
+          </a:p>
+        </p:txBody>
+      </p:sp>
+    </p:spTree>
+  </p:cSld>
+  <p:clrMapOvr>
+    <a:masterClrMapping/>
+  </p:clrMapOvr>
+</p:sld>
+</file>
+
+<file path=ppt/slides/slide4.xml><?xml version="1.0" encoding="utf-8"?>
+<p:sld xmlns:a="http://schemas.openxmlformats.org/drawingml/2006/main" xmlns:p="http://schemas.openxmlformats.org/presentationml/2006/main" xmlns:r="http://schemas.openxmlformats.org/officeDocument/2006/relationships">
+  <p:cSld>
+    <p:spTree>
+      <p:nvGrpSpPr>
+        <p:cNvPr id="1" name=""/>
+        <p:cNvGrpSpPr/>
+        <p:nvPr/>
+      </p:nvGrpSpPr>
+      <p:grpSpPr/>
+      <p:sp>
+        <p:nvSpPr>
+          <p:cNvPr id="2" name="Rectangle 1"/>
+          <p:cNvSpPr/>
+          <p:nvPr/>
+        </p:nvSpPr>
+        <p:spPr>
+          <a:xfrm>
+            <a:off x="0" y="0"/>
+            <a:ext cx="12191695" cy="137160"/>
+          </a:xfrm>
+          <a:prstGeom prst="rect">
+            <a:avLst/>
+          </a:prstGeom>
+          <a:solidFill>
+            <a:srgbClr val="003856"/>
+          </a:solidFill>
+          <a:ln>
+            <a:noFill/>
+          </a:ln>
+        </p:spPr>
+        <p:style>
+          <a:lnRef idx="1">
+            <a:schemeClr val="accent1"/>
+          </a:lnRef>
+          <a:fillRef idx="3">
+            <a:schemeClr val="accent1"/>
+          </a:fillRef>
+          <a:effectRef idx="2">
+            <a:schemeClr val="accent1"/>
+          </a:effectRef>
+          <a:fontRef idx="minor">
+            <a:schemeClr val="lt1"/>
+          </a:fontRef>
+        </p:style>
+        <p:txBody>
+          <a:bodyPr rtlCol="0" anchor="ctr"/>
+          <a:lstStyle/>
+          <a:p>
+            <a:pPr algn="ctr"/>
+          </a:p>
+        </p:txBody>
+      </p:sp>
+      <p:sp>
+        <p:nvSpPr>
+          <p:cNvPr id="3" name="TextBox 2"/>
+          <p:cNvSpPr txBox="1"/>
+          <p:nvPr/>
+        </p:nvSpPr>
+        <p:spPr>
+          <a:xfrm>
+            <a:off x="457200" y="365760"/>
+            <a:ext cx="10972800" cy="731520"/>
+          </a:xfrm>
+          <a:prstGeom prst="rect">
+            <a:avLst/>
+          </a:prstGeom>
+          <a:noFill/>
+        </p:spPr>
+        <p:txBody>
+          <a:bodyPr wrap="square">
+            <a:spAutoFit/>
+          </a:bodyPr>
+          <a:lstStyle/>
+          <a:p>
+            <a:pPr>
+              <a:defRPr sz="3200" b="1">
+                <a:solidFill>
+                  <a:srgbClr val="003856"/>
+                </a:solidFill>
+              </a:defRPr>
+            </a:pPr>
+            <a:r>
+              <a:t>💰 Budget-Analyse: Soll vs. Ist</a:t>
+            </a:r>
+          </a:p>
+        </p:txBody>
+      </p:sp>
+      <p:sp>
+        <p:nvSpPr>
+          <p:cNvPr id="4" name="TextBox 3"/>
+          <p:cNvSpPr txBox="1"/>
+          <p:nvPr/>
+        </p:nvSpPr>
+        <p:spPr>
+          <a:xfrm>
+            <a:off x="457200" y="1371600"/>
+            <a:ext cx="7315200" cy="4572000"/>
+          </a:xfrm>
+          <a:prstGeom prst="rect">
+            <a:avLst/>
+          </a:prstGeom>
+          <a:noFill/>
+        </p:spPr>
+        <p:txBody>
+          <a:bodyPr wrap="none">
+            <a:spAutoFit/>
+          </a:bodyPr>
+          <a:lstStyle/>
+          <a:p>
+            <a:pPr>
+              <a:defRPr sz="1400"/>
+            </a:pPr>
             <a:r>
               <a:t>{{BUDGET_CHART}}</a:t>
+            </a:r>
+          </a:p>
+        </p:txBody>
+      </p:sp>
+      <p:sp>
+        <p:nvSpPr>
+          <p:cNvPr id="5" name="TextBox 4"/>
+          <p:cNvSpPr txBox="1"/>
+          <p:nvPr/>
+        </p:nvSpPr>
+        <p:spPr>
+          <a:xfrm>
+            <a:off x="8229600" y="1371600"/>
+            <a:ext cx="3474720" cy="4572000"/>
+          </a:xfrm>
+          <a:prstGeom prst="rect">
+            <a:avLst/>
+          </a:prstGeom>
+          <a:noFill/>
+        </p:spPr>
+        <p:txBody>
+          <a:bodyPr wrap="square">
+            <a:spAutoFit/>
+          </a:bodyPr>
+          <a:lstStyle/>
+          <a:p>
+            <a:pPr>
+              <a:defRPr sz="1400">
+                <a:solidFill>
+                  <a:srgbClr val="646464"/>
+                </a:solidFill>
+              </a:defRPr>
+            </a:pPr>
+            <a:r>
+              <a:t>{{BUDGET_INSIGHTS_BULLETS}}</a:t>
+            </a:r>
+          </a:p>
+        </p:txBody>
+      </p:sp>
+    </p:spTree>
+  </p:cSld>
+  <p:clrMapOvr>
+    <a:masterClrMapping/>
+  </p:clrMapOvr>
+</p:sld>
+</file>
+
+<file path=ppt/slides/slide5.xml><?xml version="1.0" encoding="utf-8"?>
+<p:sld xmlns:a="http://schemas.openxmlformats.org/drawingml/2006/main" xmlns:p="http://schemas.openxmlformats.org/presentationml/2006/main" xmlns:r="http://schemas.openxmlformats.org/officeDocument/2006/relationships">
+  <p:cSld>
+    <p:spTree>
+      <p:nvGrpSpPr>
+        <p:cNvPr id="1" name=""/>
+        <p:cNvGrpSpPr/>
+        <p:nvPr/>
+      </p:nvGrpSpPr>
+      <p:grpSpPr/>
+      <p:sp>
+        <p:nvSpPr>
+          <p:cNvPr id="2" name="Rectangle 1"/>
+          <p:cNvSpPr/>
+          <p:nvPr/>
+        </p:nvSpPr>
+        <p:spPr>
+          <a:xfrm>
+            <a:off x="0" y="0"/>
+            <a:ext cx="12191695" cy="137160"/>
+          </a:xfrm>
+          <a:prstGeom prst="rect">
+            <a:avLst/>
+          </a:prstGeom>
+          <a:solidFill>
+            <a:srgbClr val="003856"/>
+          </a:solidFill>
+          <a:ln>
+            <a:noFill/>
+          </a:ln>
+        </p:spPr>
+        <p:style>
+          <a:lnRef idx="1">
+            <a:schemeClr val="accent1"/>
+          </a:lnRef>
+          <a:fillRef idx="3">
+            <a:schemeClr val="accent1"/>
+          </a:fillRef>
+          <a:effectRef idx="2">
+            <a:schemeClr val="accent1"/>
+          </a:effectRef>
+          <a:fontRef idx="minor">
+            <a:schemeClr val="lt1"/>
+          </a:fontRef>
+        </p:style>
+        <p:txBody>
+          <a:bodyPr rtlCol="0" anchor="ctr"/>
+          <a:lstStyle/>
+          <a:p>
+            <a:pPr algn="ctr"/>
+          </a:p>
+        </p:txBody>
+      </p:sp>
+      <p:sp>
+        <p:nvSpPr>
+          <p:cNvPr id="3" name="TextBox 2"/>
+          <p:cNvSpPr txBox="1"/>
+          <p:nvPr/>
+        </p:nvSpPr>
+        <p:spPr>
+          <a:xfrm>
+            <a:off x="457200" y="365760"/>
+            <a:ext cx="10972800" cy="731520"/>
+          </a:xfrm>
+          <a:prstGeom prst="rect">
+            <a:avLst/>
+          </a:prstGeom>
+          <a:noFill/>
+        </p:spPr>
+        <p:txBody>
+          <a:bodyPr wrap="square">
+            <a:spAutoFit/>
+          </a:bodyPr>
+          <a:lstStyle/>
+          <a:p>
+            <a:pPr>
+              <a:defRPr sz="3200" b="1">
+                <a:solidFill>
+                  <a:srgbClr val="003856"/>
+                </a:solidFill>
+              </a:defRPr>
+            </a:pPr>
+            <a:r>
+              <a:t>📊 KPI-Analyse &amp; Trends</a:t>
+            </a:r>
+          </a:p>
+        </p:txBody>
+      </p:sp>
+      <p:sp>
+        <p:nvSpPr>
+          <p:cNvPr id="4" name="TextBox 3"/>
+          <p:cNvSpPr txBox="1"/>
+          <p:nvPr/>
+        </p:nvSpPr>
+        <p:spPr>
+          <a:xfrm>
+            <a:off x="457200" y="1371600"/>
+            <a:ext cx="10972800" cy="5029200"/>
+          </a:xfrm>
+          <a:prstGeom prst="rect">
+            <a:avLst/>
+          </a:prstGeom>
+          <a:noFill/>
+        </p:spPr>
+        <p:txBody>
+          <a:bodyPr wrap="square">
+            <a:spAutoFit/>
+          </a:bodyPr>
+          <a:lstStyle/>
+          <a:p>
+            <a:pPr>
+              <a:defRPr sz="1600">
+                <a:solidFill>
+                  <a:srgbClr val="646464"/>
+                </a:solidFill>
+              </a:defRPr>
+            </a:pPr>
+            <a:r>
+              <a:t>{{KPI_COMMENTARY_BULLETS}}</a:t>
+            </a:r>
+          </a:p>
+        </p:txBody>
+      </p:sp>
+    </p:spTree>
+  </p:cSld>
+  <p:clrMapOvr>
+    <a:masterClrMapping/>
+  </p:clrMapOvr>
+</p:sld>
+</file>
+
+<file path=ppt/slides/slide6.xml><?xml version="1.0" encoding="utf-8"?>
+<p:sld xmlns:a="http://schemas.openxmlformats.org/drawingml/2006/main" xmlns:p="http://schemas.openxmlformats.org/presentationml/2006/main" xmlns:r="http://schemas.openxmlformats.org/officeDocument/2006/relationships">
+  <p:cSld>
+    <p:spTree>
+      <p:nvGrpSpPr>
+        <p:cNvPr id="1" name=""/>
+        <p:cNvGrpSpPr/>
+        <p:nvPr/>
+      </p:nvGrpSpPr>
+      <p:grpSpPr/>
+      <p:sp>
+        <p:nvSpPr>
+          <p:cNvPr id="2" name="Rectangle 1"/>
+          <p:cNvSpPr/>
+          <p:nvPr/>
+        </p:nvSpPr>
+        <p:spPr>
+          <a:xfrm>
+            <a:off x="0" y="0"/>
+            <a:ext cx="12191695" cy="137160"/>
+          </a:xfrm>
+          <a:prstGeom prst="rect">
+            <a:avLst/>
+          </a:prstGeom>
+          <a:solidFill>
+            <a:srgbClr val="003856"/>
+          </a:solidFill>
+          <a:ln>
+            <a:noFill/>
+          </a:ln>
+        </p:spPr>
+        <p:style>
+          <a:lnRef idx="1">
+            <a:schemeClr val="accent1"/>
+          </a:lnRef>
+          <a:fillRef idx="3">
+            <a:schemeClr val="accent1"/>
+          </a:fillRef>
+          <a:effectRef idx="2">
+            <a:schemeClr val="accent1"/>
+          </a:effectRef>
+          <a:fontRef idx="minor">
+            <a:schemeClr val="lt1"/>
+          </a:fontRef>
+        </p:style>
+        <p:txBody>
+          <a:bodyPr rtlCol="0" anchor="ctr"/>
+          <a:lstStyle/>
+          <a:p>
+            <a:pPr algn="ctr"/>
+          </a:p>
+        </p:txBody>
+      </p:sp>
+      <p:sp>
+        <p:nvSpPr>
+          <p:cNvPr id="3" name="TextBox 2"/>
+          <p:cNvSpPr txBox="1"/>
+          <p:nvPr/>
+        </p:nvSpPr>
+        <p:spPr>
+          <a:xfrm>
+            <a:off x="457200" y="365760"/>
+            <a:ext cx="10972800" cy="731520"/>
+          </a:xfrm>
+          <a:prstGeom prst="rect">
+            <a:avLst/>
+          </a:prstGeom>
+          <a:noFill/>
+        </p:spPr>
+        <p:txBody>
+          <a:bodyPr wrap="square">
+            <a:spAutoFit/>
+          </a:bodyPr>
+          <a:lstStyle/>
+          <a:p>
+            <a:pPr>
+              <a:defRPr sz="3200" b="1">
+                <a:solidFill>
+                  <a:srgbClr val="003856"/>
+                </a:solidFill>
+              </a:defRPr>
+            </a:pPr>
+            <a:r>
+              <a:t>⚠️ Risiken &amp; Maßnahmen</a:t>
+            </a:r>
+          </a:p>
+        </p:txBody>
+      </p:sp>
+      <p:sp>
+        <p:nvSpPr>
+          <p:cNvPr id="4" name="TextBox 3"/>
+          <p:cNvSpPr txBox="1"/>
+          <p:nvPr/>
+        </p:nvSpPr>
+        <p:spPr>
+          <a:xfrm>
+            <a:off x="457200" y="1188720"/>
+            <a:ext cx="5029200" cy="457200"/>
+          </a:xfrm>
+          <a:prstGeom prst="rect">
+            <a:avLst/>
+          </a:prstGeom>
+          <a:noFill/>
+        </p:spPr>
+        <p:txBody>
+          <a:bodyPr wrap="none">
+            <a:spAutoFit/>
+          </a:bodyPr>
+          <a:lstStyle/>
+          <a:p>
+            <a:pPr>
+              <a:defRPr sz="1800" b="1">
+                <a:solidFill>
+                  <a:srgbClr val="DC3545"/>
+                </a:solidFill>
+              </a:defRPr>
+            </a:pPr>
+            <a:r>
+              <a:t>Identifizierte Risiken</a:t>
+            </a:r>
+          </a:p>
+        </p:txBody>
+      </p:sp>
+      <p:sp>
+        <p:nvSpPr>
+          <p:cNvPr id="5" name="TextBox 4"/>
+          <p:cNvSpPr txBox="1"/>
+          <p:nvPr/>
+        </p:nvSpPr>
+        <p:spPr>
+          <a:xfrm>
+            <a:off x="457200" y="1737360"/>
+            <a:ext cx="5029200" cy="4114800"/>
+          </a:xfrm>
+          <a:prstGeom prst="rect">
+            <a:avLst/>
+          </a:prstGeom>
+          <a:noFill/>
+        </p:spPr>
+        <p:txBody>
+          <a:bodyPr wrap="square">
+            <a:spAutoFit/>
+          </a:bodyPr>
+          <a:lstStyle/>
+          <a:p>
+            <a:pPr>
+              <a:defRPr sz="1400">
+                <a:solidFill>
+                  <a:srgbClr val="646464"/>
+                </a:solidFill>
+              </a:defRPr>
+            </a:pPr>
+            <a:r>
+              <a:t>• Risikoanalyse wird durch KI generiert</a:t>
+            </a:r>
+          </a:p>
+        </p:txBody>
+      </p:sp>
+      <p:sp>
+        <p:nvSpPr>
+          <p:cNvPr id="6" name="TextBox 5"/>
+          <p:cNvSpPr txBox="1"/>
+          <p:nvPr/>
+        </p:nvSpPr>
+        <p:spPr>
+          <a:xfrm>
+            <a:off x="6400800" y="1188720"/>
+            <a:ext cx="5029200" cy="457200"/>
+          </a:xfrm>
+          <a:prstGeom prst="rect">
+            <a:avLst/>
+          </a:prstGeom>
+          <a:noFill/>
+        </p:spPr>
+        <p:txBody>
+          <a:bodyPr wrap="none">
+            <a:spAutoFit/>
+          </a:bodyPr>
+          <a:lstStyle/>
+          <a:p>
+            <a:pPr>
+              <a:defRPr sz="1800" b="1">
+                <a:solidFill>
+                  <a:srgbClr val="28A745"/>
+                </a:solidFill>
+              </a:defRPr>
+            </a:pPr>
+            <a:r>
+              <a:t>Empfohlene Maßnahmen</a:t>
+            </a:r>
+          </a:p>
+        </p:txBody>
+      </p:sp>
+      <p:sp>
+        <p:nvSpPr>
+          <p:cNvPr id="7" name="TextBox 6"/>
+          <p:cNvSpPr txBox="1"/>
+          <p:nvPr/>
+        </p:nvSpPr>
+        <p:spPr>
+          <a:xfrm>
+            <a:off x="6400800" y="1737360"/>
+            <a:ext cx="5029200" cy="4114800"/>
+          </a:xfrm>
+          <a:prstGeom prst="rect">
+            <a:avLst/>
+          </a:prstGeom>
+          <a:noFill/>
+        </p:spPr>
+        <p:txBody>
+          <a:bodyPr wrap="square">
+            <a:spAutoFit/>
+          </a:bodyPr>
+          <a:lstStyle/>
+          <a:p>
+            <a:pPr>
+              <a:defRPr sz="1400">
+                <a:solidFill>
+                  <a:srgbClr val="646464"/>
+                </a:solidFill>
+              </a:defRPr>
+            </a:pPr>
+            <a:r>
+              <a:t>• Maßnahmen werden durch KI generiert</a:t>
+            </a:r>
+          </a:p>
+        </p:txBody>
+      </p:sp>
+    </p:spTree>
+  </p:cSld>
+  <p:clrMapOvr>
+    <a:masterClrMapping/>
+  </p:clrMapOvr>
+</p:sld>
+</file>
+
+<file path=ppt/slides/slide7.xml><?xml version="1.0" encoding="utf-8"?>
+<p:sld xmlns:a="http://schemas.openxmlformats.org/drawingml/2006/main" xmlns:p="http://schemas.openxmlformats.org/presentationml/2006/main" xmlns:r="http://schemas.openxmlformats.org/officeDocument/2006/relationships">
+  <p:cSld>
+    <p:spTree>
+      <p:nvGrpSpPr>
+        <p:cNvPr id="1" name=""/>
+        <p:cNvGrpSpPr/>
+        <p:nvPr/>
+      </p:nvGrpSpPr>
+      <p:grpSpPr/>
+      <p:sp>
+        <p:nvSpPr>
+          <p:cNvPr id="2" name="Rectangle 1"/>
+          <p:cNvSpPr/>
+          <p:nvPr/>
+        </p:nvSpPr>
+        <p:spPr>
+          <a:xfrm>
+            <a:off x="0" y="0"/>
+            <a:ext cx="12191695" cy="6858000"/>
+          </a:xfrm>
+          <a:prstGeom prst="rect">
+            <a:avLst/>
+          </a:prstGeom>
+          <a:solidFill>
+            <a:srgbClr val="003856"/>
+          </a:solidFill>
+          <a:ln>
+            <a:noFill/>
+          </a:ln>
+        </p:spPr>
+        <p:style>
+          <a:lnRef idx="1">
+            <a:schemeClr val="accent1"/>
+          </a:lnRef>
+          <a:fillRef idx="3">
+            <a:schemeClr val="accent1"/>
+          </a:fillRef>
+          <a:effectRef idx="2">
+            <a:schemeClr val="accent1"/>
+          </a:effectRef>
+          <a:fontRef idx="minor">
+            <a:schemeClr val="lt1"/>
+          </a:fontRef>
+        </p:style>
+        <p:txBody>
+          <a:bodyPr rtlCol="0" anchor="ctr"/>
+          <a:lstStyle/>
+          <a:p>
+            <a:pPr algn="ctr"/>
+          </a:p>
+        </p:txBody>
+      </p:sp>
+      <p:sp>
+        <p:nvSpPr>
+          <p:cNvPr id="3" name="Rectangle 2"/>
+          <p:cNvSpPr/>
+          <p:nvPr/>
+        </p:nvSpPr>
+        <p:spPr>
+          <a:xfrm>
+            <a:off x="0" y="2743200"/>
+            <a:ext cx="12191695" cy="91440"/>
+          </a:xfrm>
+          <a:prstGeom prst="rect">
+            <a:avLst/>
+          </a:prstGeom>
+          <a:solidFill>
+            <a:srgbClr val="FFB900"/>
+          </a:solidFill>
+          <a:ln>
+            <a:noFill/>
+          </a:ln>
+        </p:spPr>
+        <p:style>
+          <a:lnRef idx="1">
+            <a:schemeClr val="accent1"/>
+          </a:lnRef>
+          <a:fillRef idx="3">
+            <a:schemeClr val="accent1"/>
+          </a:fillRef>
+          <a:effectRef idx="2">
+            <a:schemeClr val="accent1"/>
+          </a:effectRef>
+          <a:fontRef idx="minor">
+            <a:schemeClr val="lt1"/>
+          </a:fontRef>
+        </p:style>
+        <p:txBody>
+          <a:bodyPr rtlCol="0" anchor="ctr"/>
+          <a:lstStyle/>
+          <a:p>
+            <a:pPr algn="ctr"/>
+          </a:p>
+        </p:txBody>
+      </p:sp>
+      <p:sp>
+        <p:nvSpPr>
+          <p:cNvPr id="4" name="TextBox 3"/>
+          <p:cNvSpPr txBox="1"/>
+          <p:nvPr/>
+        </p:nvSpPr>
+        <p:spPr>
+          <a:xfrm>
+            <a:off x="731520" y="1828800"/>
+            <a:ext cx="10058400" cy="914400"/>
+          </a:xfrm>
+          <a:prstGeom prst="rect">
+            <a:avLst/>
+          </a:prstGeom>
+          <a:noFill/>
+        </p:spPr>
+        <p:txBody>
+          <a:bodyPr wrap="none">
+            <a:spAutoFit/>
+          </a:bodyPr>
+          <a:lstStyle/>
+          <a:p>
+            <a:pPr>
+              <a:defRPr sz="4000" b="1">
+                <a:solidFill>
+                  <a:srgbClr val="FFFFFF"/>
+                </a:solidFill>
+              </a:defRPr>
+            </a:pPr>
+            <a:r>
+              <a:t>Zusammenfassung</a:t>
+            </a:r>
+          </a:p>
+        </p:txBody>
+      </p:sp>
+      <p:sp>
+        <p:nvSpPr>
+          <p:cNvPr id="5" name="TextBox 4"/>
+          <p:cNvSpPr txBox="1"/>
+          <p:nvPr/>
+        </p:nvSpPr>
+        <p:spPr>
+          <a:xfrm>
+            <a:off x="731520" y="3200400"/>
+            <a:ext cx="10058400" cy="1828800"/>
+          </a:xfrm>
+          <a:prstGeom prst="rect">
+            <a:avLst/>
+          </a:prstGeom>
+          <a:noFill/>
+        </p:spPr>
+        <p:txBody>
+          <a:bodyPr wrap="square">
+            <a:spAutoFit/>
+          </a:bodyPr>
+          <a:lstStyle/>
+          <a:p>
+            <a:pPr>
+              <a:defRPr sz="2000">
+                <a:solidFill>
+                  <a:srgbClr val="FFFFFF"/>
+                </a:solidFill>
+              </a:defRPr>
+            </a:pPr>
+            <a:r>
+              <a:t>{{CLOSING_STATEMENT}}</a:t>
+            </a:r>
+          </a:p>
+        </p:txBody>
+      </p:sp>
+      <p:sp>
+        <p:nvSpPr>
+          <p:cNvPr id="6" name="TextBox 5"/>
+          <p:cNvSpPr txBox="1"/>
+          <p:nvPr/>
+        </p:nvSpPr>
+        <p:spPr>
+          <a:xfrm>
+            <a:off x="731520" y="5669280"/>
+            <a:ext cx="10058400" cy="457200"/>
+          </a:xfrm>
+          <a:prstGeom prst="rect">
+            <a:avLst/>
+          </a:prstGeom>
+          <a:noFill/>
+        </p:spPr>
+        <p:txBody>
+          <a:bodyPr wrap="none">
+            <a:spAutoFit/>
+          </a:bodyPr>
+          <a:lstStyle/>
+          <a:p>
+            <a:pPr>
+              <a:defRPr sz="1200">
+                <a:solidFill>
+                  <a:srgbClr val="B4B4B4"/>
+                </a:solidFill>
+              </a:defRPr>
+            </a:pPr>
+            <a:r>
+              <a:t>{{COVERAGE_NOTE}}</a:t>
             </a:r>
           </a:p>
         </p:txBody>
